--- a/studyweb/project_cubeme/n_01_UIUX요구분석_큐브미.pptx
+++ b/studyweb/project_cubeme/n_01_UIUX요구분석_큐브미.pptx
@@ -9328,7 +9328,7 @@
             <a:fld id="{6921685B-8A46-4547-B47D-D09C9DEE3113}" type="datetimeFigureOut">
               <a:rPr lang="ko-KR" altLang="en-US" smtClean="0"/>
               <a:pPr/>
-              <a:t>2021-09-06</a:t>
+              <a:t>2021-09-10</a:t>
             </a:fld>
             <a:endParaRPr lang="ko-KR" altLang="en-US" dirty="0"/>
           </a:p>
@@ -12094,7 +12094,7 @@
           <a:p>
             <a:fld id="{305352ED-F847-431A-9C4E-9984B483267A}" type="datetimeFigureOut">
               <a:rPr lang="ko-KR" altLang="en-US" smtClean="0"/>
-              <a:t>2021-09-06</a:t>
+              <a:t>2021-09-10</a:t>
             </a:fld>
             <a:endParaRPr lang="ko-KR" altLang="en-US"/>
           </a:p>
